--- a/Slide báo cáo.pptx
+++ b/Slide báo cáo.pptx
@@ -6787,7 +6787,7 @@
           <p:cNvPr id="5" name="TextBox 4">
             <a:extLst>
               <a:ext uri="{FF2B5EF4-FFF2-40B4-BE49-F238E27FC236}">
-                <a16:creationId xmlns:a16="http://schemas.microsoft.com/office/drawing/2014/main" xmlns="" id="{1C0BFC0C-43D6-4827-B6BA-124D17822513}"/>
+                <a16:creationId xmlns:a16="http://schemas.microsoft.com/office/drawing/2014/main" id="{1C0BFC0C-43D6-4827-B6BA-124D17822513}"/>
               </a:ext>
             </a:extLst>
           </p:cNvPr>
@@ -7046,7 +7046,7 @@
           <p:cNvPr id="6" name="TextBox 5">
             <a:extLst>
               <a:ext uri="{FF2B5EF4-FFF2-40B4-BE49-F238E27FC236}">
-                <a16:creationId xmlns:a16="http://schemas.microsoft.com/office/drawing/2014/main" xmlns="" id="{14433D5E-C2E9-4262-82E5-C0D139758D32}"/>
+                <a16:creationId xmlns:a16="http://schemas.microsoft.com/office/drawing/2014/main" id="{14433D5E-C2E9-4262-82E5-C0D139758D32}"/>
               </a:ext>
             </a:extLst>
           </p:cNvPr>
@@ -7173,7 +7173,7 @@
           <p:cNvPr id="4" name="Slide Number Placeholder 3">
             <a:extLst>
               <a:ext uri="{FF2B5EF4-FFF2-40B4-BE49-F238E27FC236}">
-                <a16:creationId xmlns:a16="http://schemas.microsoft.com/office/drawing/2014/main" xmlns="" id="{68ACDF87-413C-4317-9995-796D514C73F6}"/>
+                <a16:creationId xmlns:a16="http://schemas.microsoft.com/office/drawing/2014/main" id="{68ACDF87-413C-4317-9995-796D514C73F6}"/>
               </a:ext>
             </a:extLst>
           </p:cNvPr>
@@ -7390,7 +7390,7 @@
           </a:lstStyle>
           <a:p>
             <a:r>
-              <a:rPr lang="en-US" smtClean="0"/>
+              <a:rPr lang="en-US"/>
               <a:t>Feature engineering</a:t>
             </a:r>
             <a:endParaRPr lang="en-US" dirty="0"/>
@@ -7423,70 +7423,69 @@
               <a:buNone/>
             </a:pPr>
             <a:r>
-              <a:rPr lang="en-US" sz="2000" dirty="0" err="1" smtClean="0"/>
+              <a:rPr lang="en-US" sz="2000" dirty="0" err="1"/>
               <a:t>Tổng</a:t>
             </a:r>
             <a:r>
-              <a:rPr lang="en-US" sz="2000" dirty="0" smtClean="0"/>
-              <a:t> </a:t>
-            </a:r>
-            <a:r>
-              <a:rPr lang="en-US" sz="2000" dirty="0" err="1" smtClean="0"/>
+              <a:rPr lang="en-US" sz="2000" dirty="0"/>
+              <a:t> </a:t>
+            </a:r>
+            <a:r>
+              <a:rPr lang="en-US" sz="2000" dirty="0" err="1"/>
               <a:t>hợp</a:t>
             </a:r>
             <a:r>
-              <a:rPr lang="en-US" sz="2000" dirty="0" smtClean="0"/>
-              <a:t> </a:t>
-            </a:r>
-            <a:r>
-              <a:rPr lang="en-US" sz="2000" dirty="0" err="1" smtClean="0"/>
+              <a:rPr lang="en-US" sz="2000" dirty="0"/>
+              <a:t> </a:t>
+            </a:r>
+            <a:r>
+              <a:rPr lang="en-US" sz="2000" dirty="0" err="1"/>
               <a:t>dữ</a:t>
             </a:r>
             <a:r>
-              <a:rPr lang="en-US" sz="2000" dirty="0" smtClean="0"/>
-              <a:t> </a:t>
-            </a:r>
-            <a:r>
-              <a:rPr lang="en-US" sz="2000" dirty="0" err="1" smtClean="0"/>
+              <a:rPr lang="en-US" sz="2000" dirty="0"/>
+              <a:t> </a:t>
+            </a:r>
+            <a:r>
+              <a:rPr lang="en-US" sz="2000" dirty="0" err="1"/>
               <a:t>liệu</a:t>
             </a:r>
             <a:r>
-              <a:rPr lang="en-US" sz="2000" dirty="0" smtClean="0"/>
-              <a:t> </a:t>
-            </a:r>
-            <a:r>
-              <a:rPr lang="en-US" sz="2000" dirty="0" err="1" smtClean="0"/>
+              <a:rPr lang="en-US" sz="2000" dirty="0"/>
+              <a:t> </a:t>
+            </a:r>
+            <a:r>
+              <a:rPr lang="en-US" sz="2000" dirty="0" err="1"/>
               <a:t>sau</a:t>
             </a:r>
             <a:r>
-              <a:rPr lang="en-US" sz="2000" dirty="0" smtClean="0"/>
-              <a:t> </a:t>
-            </a:r>
-            <a:r>
-              <a:rPr lang="en-US" sz="2000" dirty="0" err="1" smtClean="0"/>
+              <a:rPr lang="en-US" sz="2000" dirty="0"/>
+              <a:t> </a:t>
+            </a:r>
+            <a:r>
+              <a:rPr lang="en-US" sz="2000" dirty="0" err="1"/>
               <a:t>khi</a:t>
             </a:r>
             <a:r>
-              <a:rPr lang="en-US" sz="2000" dirty="0" smtClean="0"/>
-              <a:t> </a:t>
-            </a:r>
-            <a:r>
-              <a:rPr lang="en-US" sz="2000" dirty="0" err="1" smtClean="0"/>
+              <a:rPr lang="en-US" sz="2000" dirty="0"/>
+              <a:t> </a:t>
+            </a:r>
+            <a:r>
+              <a:rPr lang="en-US" sz="2000" dirty="0" err="1"/>
               <a:t>xử</a:t>
             </a:r>
             <a:r>
-              <a:rPr lang="en-US" sz="2000" dirty="0" smtClean="0"/>
-              <a:t> </a:t>
-            </a:r>
-            <a:r>
-              <a:rPr lang="en-US" sz="2000" dirty="0" err="1" smtClean="0"/>
+              <a:rPr lang="en-US" sz="2000" dirty="0"/>
+              <a:t> </a:t>
+            </a:r>
+            <a:r>
+              <a:rPr lang="en-US" sz="2000" dirty="0" err="1"/>
               <a:t>lý</a:t>
             </a:r>
             <a:r>
-              <a:rPr lang="en-US" sz="2000" dirty="0" smtClean="0"/>
+              <a:rPr lang="en-US" sz="2000" dirty="0"/>
               <a:t>:</a:t>
             </a:r>
-            <a:endParaRPr lang="en-US" sz="2000" dirty="0"/>
           </a:p>
         </p:txBody>
       </p:sp>
@@ -7703,16 +7702,12 @@
               <a:buChar char="Ø"/>
             </a:pPr>
             <a:r>
-              <a:rPr lang="en-US" dirty="0" err="1" smtClean="0"/>
+              <a:rPr lang="en-US" dirty="0" err="1"/>
               <a:t>Chọn</a:t>
             </a:r>
             <a:r>
-              <a:rPr lang="en-US" dirty="0" smtClean="0"/>
-              <a:t> model </a:t>
-            </a:r>
-            <a:r>
               <a:rPr lang="en-US" dirty="0"/>
-              <a:t>SVC.</a:t>
+              <a:t> model SVC.</a:t>
             </a:r>
           </a:p>
           <a:p>
@@ -7726,27 +7721,23 @@
               <a:buNone/>
             </a:pPr>
             <a:r>
-              <a:rPr lang="en-US" dirty="0" err="1" smtClean="0"/>
+              <a:rPr lang="en-US" dirty="0" err="1"/>
               <a:t>Số</a:t>
             </a:r>
             <a:r>
-              <a:rPr lang="en-US" dirty="0" smtClean="0"/>
-              <a:t> </a:t>
-            </a:r>
-            <a:r>
-              <a:rPr lang="en-US" dirty="0" err="1" smtClean="0"/>
+              <a:rPr lang="en-US" dirty="0"/>
+              <a:t> </a:t>
+            </a:r>
+            <a:r>
+              <a:rPr lang="en-US" dirty="0" err="1"/>
               <a:t>lượng</a:t>
             </a:r>
             <a:r>
-              <a:rPr lang="en-US" dirty="0" smtClean="0"/>
-              <a:t> </a:t>
-            </a:r>
-            <a:r>
-              <a:rPr lang="en-US" dirty="0" smtClean="0"/>
-              <a:t>data 845 </a:t>
-            </a:r>
-            <a:r>
-              <a:rPr lang="en-US" dirty="0" err="1" smtClean="0"/>
+              <a:rPr lang="en-US" dirty="0"/>
+              <a:t> data 845 </a:t>
+            </a:r>
+            <a:r>
+              <a:rPr lang="en-US" dirty="0" err="1"/>
               <a:t>ảnh</a:t>
             </a:r>
             <a:r>
@@ -7785,7 +7776,7 @@
           <p:cNvPr id="4" name="Slide Number Placeholder 3">
             <a:extLst>
               <a:ext uri="{FF2B5EF4-FFF2-40B4-BE49-F238E27FC236}">
-                <a16:creationId xmlns:a16="http://schemas.microsoft.com/office/drawing/2014/main" xmlns="" id="{E81A4CA4-BB57-4E9B-AE24-172BA264FBE2}"/>
+                <a16:creationId xmlns:a16="http://schemas.microsoft.com/office/drawing/2014/main" id="{E81A4CA4-BB57-4E9B-AE24-172BA264FBE2}"/>
               </a:ext>
             </a:extLst>
           </p:cNvPr>
@@ -7825,7 +7816,7 @@
         </p:blipFill>
         <p:spPr>
           <a:xfrm>
-            <a:off x="5417471" y="806963"/>
+            <a:off x="5417644" y="806963"/>
             <a:ext cx="5335936" cy="5523669"/>
           </a:xfrm>
           <a:prstGeom prst="rect">
@@ -8373,11 +8364,7 @@
             </a:r>
             <a:r>
               <a:rPr lang="en-US" sz="2000" dirty="0"/>
-              <a:t>: </a:t>
-            </a:r>
-            <a:r>
-              <a:rPr lang="en-US" sz="2000" dirty="0" smtClean="0"/>
-              <a:t>0.9411764705882353</a:t>
+              <a:t>: 0.9411764705882353</a:t>
             </a:r>
           </a:p>
           <a:p>
@@ -8385,16 +8372,8 @@
               <a:buNone/>
             </a:pPr>
             <a:r>
-              <a:rPr lang="en-US" sz="2000" dirty="0" smtClean="0"/>
-              <a:t>Precision </a:t>
-            </a:r>
-            <a:r>
-              <a:rPr lang="en-US" sz="2000" dirty="0"/>
-              <a:t>score: </a:t>
-            </a:r>
-            <a:r>
-              <a:rPr lang="en-US" sz="2000" dirty="0" smtClean="0"/>
-              <a:t>0.9163851351351351</a:t>
+              <a:rPr lang="en-US" sz="2000" dirty="0"/>
+              <a:t>Precision score: 0.9163851351351351</a:t>
             </a:r>
           </a:p>
           <a:p>
@@ -8402,12 +8381,8 @@
               <a:buNone/>
             </a:pPr>
             <a:r>
-              <a:rPr lang="en-US" sz="2000" dirty="0" smtClean="0"/>
-              <a:t>Recall score: </a:t>
-            </a:r>
-            <a:r>
-              <a:rPr lang="en-US" sz="2000" dirty="0"/>
-              <a:t>0.9070642201834862</a:t>
+              <a:rPr lang="en-US" sz="2000" dirty="0"/>
+              <a:t>Recall score: 0.9070642201834862</a:t>
             </a:r>
           </a:p>
         </p:txBody>
@@ -8417,7 +8392,7 @@
           <p:cNvPr id="7" name="Slide Number Placeholder 6">
             <a:extLst>
               <a:ext uri="{FF2B5EF4-FFF2-40B4-BE49-F238E27FC236}">
-                <a16:creationId xmlns:a16="http://schemas.microsoft.com/office/drawing/2014/main" xmlns="" id="{053344DB-3623-457B-9F47-C2FDD8703328}"/>
+                <a16:creationId xmlns:a16="http://schemas.microsoft.com/office/drawing/2014/main" id="{053344DB-3623-457B-9F47-C2FDD8703328}"/>
               </a:ext>
             </a:extLst>
           </p:cNvPr>
@@ -8986,7 +8961,7 @@
           <p:cNvPr id="12" name="Slide Number Placeholder 11">
             <a:extLst>
               <a:ext uri="{FF2B5EF4-FFF2-40B4-BE49-F238E27FC236}">
-                <a16:creationId xmlns:a16="http://schemas.microsoft.com/office/drawing/2014/main" xmlns="" id="{A69B63CD-0DC4-4975-AEB7-38A875565DC8}"/>
+                <a16:creationId xmlns:a16="http://schemas.microsoft.com/office/drawing/2014/main" id="{A69B63CD-0DC4-4975-AEB7-38A875565DC8}"/>
               </a:ext>
             </a:extLst>
           </p:cNvPr>
@@ -9424,7 +9399,7 @@
           <p:cNvPr id="12" name="Slide Number Placeholder 11">
             <a:extLst>
               <a:ext uri="{FF2B5EF4-FFF2-40B4-BE49-F238E27FC236}">
-                <a16:creationId xmlns:a16="http://schemas.microsoft.com/office/drawing/2014/main" xmlns="" id="{A69B63CD-0DC4-4975-AEB7-38A875565DC8}"/>
+                <a16:creationId xmlns:a16="http://schemas.microsoft.com/office/drawing/2014/main" id="{A69B63CD-0DC4-4975-AEB7-38A875565DC8}"/>
               </a:ext>
             </a:extLst>
           </p:cNvPr>
@@ -9702,99 +9677,99 @@
               <a:buNone/>
             </a:pPr>
             <a:r>
-              <a:rPr lang="en-US" sz="1867" dirty="0" err="1" smtClean="0"/>
+              <a:rPr lang="en-US" sz="1867" dirty="0" err="1"/>
               <a:t>Sau</a:t>
             </a:r>
             <a:r>
-              <a:rPr lang="en-US" sz="1867" dirty="0" smtClean="0"/>
-              <a:t> </a:t>
-            </a:r>
-            <a:r>
-              <a:rPr lang="en-US" sz="1867" dirty="0" err="1" smtClean="0"/>
+              <a:rPr lang="en-US" sz="1867" dirty="0"/>
+              <a:t> </a:t>
+            </a:r>
+            <a:r>
+              <a:rPr lang="en-US" sz="1867" dirty="0" err="1"/>
               <a:t>đây</a:t>
             </a:r>
             <a:r>
-              <a:rPr lang="en-US" sz="1867" dirty="0" smtClean="0"/>
-              <a:t> </a:t>
-            </a:r>
-            <a:r>
-              <a:rPr lang="en-US" sz="1867" dirty="0" err="1" smtClean="0"/>
+              <a:rPr lang="en-US" sz="1867" dirty="0"/>
+              <a:t> </a:t>
+            </a:r>
+            <a:r>
+              <a:rPr lang="en-US" sz="1867" dirty="0" err="1"/>
               <a:t>là</a:t>
             </a:r>
             <a:r>
-              <a:rPr lang="en-US" sz="1867" dirty="0" smtClean="0"/>
-              <a:t> </a:t>
-            </a:r>
-            <a:r>
-              <a:rPr lang="en-US" sz="1867" dirty="0" err="1" smtClean="0"/>
+              <a:rPr lang="en-US" sz="1867" dirty="0"/>
+              <a:t> </a:t>
+            </a:r>
+            <a:r>
+              <a:rPr lang="en-US" sz="1867" dirty="0" err="1"/>
               <a:t>một</a:t>
             </a:r>
             <a:r>
-              <a:rPr lang="en-US" sz="1867" dirty="0" smtClean="0"/>
-              <a:t> </a:t>
-            </a:r>
-            <a:r>
-              <a:rPr lang="en-US" sz="1867" dirty="0" err="1" smtClean="0"/>
+              <a:rPr lang="en-US" sz="1867" dirty="0"/>
+              <a:t> </a:t>
+            </a:r>
+            <a:r>
+              <a:rPr lang="en-US" sz="1867" dirty="0" err="1"/>
               <a:t>vài</a:t>
             </a:r>
             <a:r>
-              <a:rPr lang="en-US" sz="1867" dirty="0" smtClean="0"/>
-              <a:t> </a:t>
-            </a:r>
-            <a:r>
-              <a:rPr lang="en-US" sz="1867" dirty="0" err="1" smtClean="0"/>
+              <a:rPr lang="en-US" sz="1867" dirty="0"/>
+              <a:t> </a:t>
+            </a:r>
+            <a:r>
+              <a:rPr lang="en-US" sz="1867" dirty="0" err="1"/>
               <a:t>kết</a:t>
             </a:r>
             <a:r>
-              <a:rPr lang="en-US" sz="1867" dirty="0" smtClean="0"/>
-              <a:t> </a:t>
-            </a:r>
-            <a:r>
-              <a:rPr lang="en-US" sz="1867" dirty="0" err="1" smtClean="0"/>
+              <a:rPr lang="en-US" sz="1867" dirty="0"/>
+              <a:t> </a:t>
+            </a:r>
+            <a:r>
+              <a:rPr lang="en-US" sz="1867" dirty="0" err="1"/>
               <a:t>quả</a:t>
             </a:r>
             <a:r>
-              <a:rPr lang="en-US" sz="1867" dirty="0" smtClean="0"/>
-              <a:t> </a:t>
-            </a:r>
-            <a:r>
-              <a:rPr lang="en-US" sz="1867" dirty="0" err="1" smtClean="0"/>
+              <a:rPr lang="en-US" sz="1867" dirty="0"/>
+              <a:t> </a:t>
+            </a:r>
+            <a:r>
+              <a:rPr lang="en-US" sz="1867" dirty="0" err="1"/>
               <a:t>dự</a:t>
             </a:r>
             <a:r>
-              <a:rPr lang="en-US" sz="1867" dirty="0" smtClean="0"/>
-              <a:t> </a:t>
-            </a:r>
-            <a:r>
-              <a:rPr lang="en-US" sz="1867" dirty="0" err="1" smtClean="0"/>
+              <a:rPr lang="en-US" sz="1867" dirty="0"/>
+              <a:t> </a:t>
+            </a:r>
+            <a:r>
+              <a:rPr lang="en-US" sz="1867" dirty="0" err="1"/>
               <a:t>đoán</a:t>
             </a:r>
             <a:r>
-              <a:rPr lang="en-US" sz="1867" dirty="0" smtClean="0"/>
-              <a:t> </a:t>
-            </a:r>
-            <a:r>
-              <a:rPr lang="en-US" sz="1867" dirty="0" err="1" smtClean="0"/>
+              <a:rPr lang="en-US" sz="1867" dirty="0"/>
+              <a:t> </a:t>
+            </a:r>
+            <a:r>
+              <a:rPr lang="en-US" sz="1867" dirty="0" err="1"/>
               <a:t>của</a:t>
             </a:r>
             <a:r>
-              <a:rPr lang="en-US" sz="1867" dirty="0" smtClean="0"/>
-              <a:t> </a:t>
-            </a:r>
-            <a:r>
-              <a:rPr lang="en-US" sz="1867" dirty="0" err="1" smtClean="0"/>
+              <a:rPr lang="en-US" sz="1867" dirty="0"/>
+              <a:t> </a:t>
+            </a:r>
+            <a:r>
+              <a:rPr lang="en-US" sz="1867" dirty="0" err="1"/>
               <a:t>mô</a:t>
             </a:r>
             <a:r>
-              <a:rPr lang="en-US" sz="1867" dirty="0" smtClean="0"/>
-              <a:t> </a:t>
-            </a:r>
-            <a:r>
-              <a:rPr lang="en-US" sz="1867" dirty="0" err="1" smtClean="0"/>
+              <a:rPr lang="en-US" sz="1867" dirty="0"/>
+              <a:t> </a:t>
+            </a:r>
+            <a:r>
+              <a:rPr lang="en-US" sz="1867" dirty="0" err="1"/>
               <a:t>hình</a:t>
             </a:r>
             <a:r>
-              <a:rPr lang="en-US" sz="1867" dirty="0" smtClean="0"/>
+              <a:rPr lang="en-US" sz="1867" dirty="0"/>
               <a:t>: </a:t>
             </a:r>
           </a:p>
@@ -9806,7 +9781,7 @@
               <a:buFont typeface="Wingdings 3" charset="2"/>
               <a:buNone/>
             </a:pPr>
-            <a:endParaRPr lang="en-US" sz="1867" dirty="0" smtClean="0"/>
+            <a:endParaRPr lang="en-US" sz="1867" dirty="0"/>
           </a:p>
           <a:p>
             <a:pPr marL="0" indent="0">
@@ -10375,7 +10350,7 @@
           <p:cNvPr id="12" name="Slide Number Placeholder 11">
             <a:extLst>
               <a:ext uri="{FF2B5EF4-FFF2-40B4-BE49-F238E27FC236}">
-                <a16:creationId xmlns:a16="http://schemas.microsoft.com/office/drawing/2014/main" xmlns="" id="{A69B63CD-0DC4-4975-AEB7-38A875565DC8}"/>
+                <a16:creationId xmlns:a16="http://schemas.microsoft.com/office/drawing/2014/main" id="{A69B63CD-0DC4-4975-AEB7-38A875565DC8}"/>
               </a:ext>
             </a:extLst>
           </p:cNvPr>
@@ -10653,7 +10628,7 @@
               <a:buNone/>
             </a:pPr>
             <a:r>
-              <a:rPr lang="en-US" sz="1867" smtClean="0"/>
+              <a:rPr lang="en-US" sz="1867"/>
               <a:t>Sau đây là một vài kết quả dự đoán của mô hình:</a:t>
             </a:r>
           </a:p>
@@ -10665,7 +10640,7 @@
               <a:buFont typeface="Wingdings 3" charset="2"/>
               <a:buNone/>
             </a:pPr>
-            <a:endParaRPr lang="en-US" sz="1867" smtClean="0"/>
+            <a:endParaRPr lang="en-US" sz="1867"/>
           </a:p>
           <a:p>
             <a:pPr marL="0" indent="0">
@@ -10692,7 +10667,7 @@
         </p:nvSpPr>
         <p:spPr>
           <a:xfrm>
-            <a:off x="6957894" y="5173709"/>
+            <a:off x="6989534" y="5425198"/>
             <a:ext cx="3885596" cy="623803"/>
           </a:xfrm>
           <a:prstGeom prst="rect">
@@ -10900,7 +10875,7 @@
         </p:nvSpPr>
         <p:spPr>
           <a:xfrm>
-            <a:off x="629201" y="5169416"/>
+            <a:off x="629199" y="5456673"/>
             <a:ext cx="5125055" cy="723301"/>
           </a:xfrm>
           <a:prstGeom prst="rect">
@@ -11125,7 +11100,7 @@
         </p:blipFill>
         <p:spPr>
           <a:xfrm>
-            <a:off x="6213529" y="1745111"/>
+            <a:off x="6213529" y="1834792"/>
             <a:ext cx="5235783" cy="3401291"/>
           </a:xfrm>
           <a:prstGeom prst="rect">
@@ -11155,7 +11130,7 @@
         </p:blipFill>
         <p:spPr>
           <a:xfrm>
-            <a:off x="629201" y="1745111"/>
+            <a:off x="629199" y="1840720"/>
             <a:ext cx="5226657" cy="3395363"/>
           </a:xfrm>
           <a:prstGeom prst="rect">
@@ -11361,7 +11336,7 @@
           <p:cNvPr id="2" name="Slide Number Placeholder 1">
             <a:extLst>
               <a:ext uri="{FF2B5EF4-FFF2-40B4-BE49-F238E27FC236}">
-                <a16:creationId xmlns:a16="http://schemas.microsoft.com/office/drawing/2014/main" xmlns="" id="{3B41F62E-7CAA-4A26-A161-2E50BBBB8DD1}"/>
+                <a16:creationId xmlns:a16="http://schemas.microsoft.com/office/drawing/2014/main" id="{3B41F62E-7CAA-4A26-A161-2E50BBBB8DD1}"/>
               </a:ext>
             </a:extLst>
           </p:cNvPr>
@@ -11472,7 +11447,12 @@
             <p:ph idx="1"/>
           </p:nvPr>
         </p:nvSpPr>
-        <p:spPr/>
+        <p:spPr>
+          <a:xfrm>
+            <a:off x="677334" y="1870364"/>
+            <a:ext cx="8596668" cy="4170998"/>
+          </a:xfrm>
+        </p:spPr>
         <p:txBody>
           <a:bodyPr>
             <a:normAutofit/>
@@ -11481,6 +11461,510 @@
           <a:p>
             <a:r>
               <a:rPr lang="en-US" sz="2000" dirty="0" err="1"/>
+              <a:t>Trong</a:t>
+            </a:r>
+            <a:r>
+              <a:rPr lang="en-US" sz="2000" dirty="0"/>
+              <a:t> </a:t>
+            </a:r>
+            <a:r>
+              <a:rPr lang="en-US" sz="2000" dirty="0" err="1"/>
+              <a:t>tình</a:t>
+            </a:r>
+            <a:r>
+              <a:rPr lang="en-US" sz="2000" dirty="0"/>
+              <a:t> </a:t>
+            </a:r>
+            <a:r>
+              <a:rPr lang="en-US" sz="2000" dirty="0" err="1"/>
+              <a:t>trạng</a:t>
+            </a:r>
+            <a:r>
+              <a:rPr lang="en-US" sz="2000" dirty="0"/>
+              <a:t> </a:t>
+            </a:r>
+            <a:r>
+              <a:rPr lang="en-US" sz="2000" dirty="0" err="1"/>
+              <a:t>dịch</a:t>
+            </a:r>
+            <a:r>
+              <a:rPr lang="en-US" sz="2000" dirty="0"/>
+              <a:t> </a:t>
+            </a:r>
+            <a:r>
+              <a:rPr lang="en-US" sz="2000" dirty="0" err="1"/>
+              <a:t>covid</a:t>
+            </a:r>
+            <a:r>
+              <a:rPr lang="en-US" sz="2000" dirty="0"/>
+              <a:t> </a:t>
+            </a:r>
+            <a:r>
+              <a:rPr lang="en-US" sz="2000" dirty="0" err="1"/>
+              <a:t>đang</a:t>
+            </a:r>
+            <a:r>
+              <a:rPr lang="en-US" sz="2000" dirty="0"/>
+              <a:t> </a:t>
+            </a:r>
+            <a:r>
+              <a:rPr lang="en-US" sz="2000" dirty="0" err="1"/>
+              <a:t>ngày</a:t>
+            </a:r>
+            <a:r>
+              <a:rPr lang="en-US" sz="2000" dirty="0"/>
+              <a:t> </a:t>
+            </a:r>
+            <a:r>
+              <a:rPr lang="en-US" sz="2000" dirty="0" err="1"/>
+              <a:t>càng</a:t>
+            </a:r>
+            <a:r>
+              <a:rPr lang="en-US" sz="2000" dirty="0"/>
+              <a:t> </a:t>
+            </a:r>
+            <a:r>
+              <a:rPr lang="en-US" sz="2000" dirty="0" err="1"/>
+              <a:t>nghiêm</a:t>
+            </a:r>
+            <a:r>
+              <a:rPr lang="en-US" sz="2000" dirty="0"/>
+              <a:t> </a:t>
+            </a:r>
+            <a:r>
+              <a:rPr lang="en-US" sz="2000" dirty="0" err="1"/>
+              <a:t>trọng</a:t>
+            </a:r>
+            <a:r>
+              <a:rPr lang="en-US" sz="2000" dirty="0"/>
+              <a:t>, </a:t>
+            </a:r>
+            <a:r>
+              <a:rPr lang="en-US" sz="2000" dirty="0" err="1"/>
+              <a:t>thì</a:t>
+            </a:r>
+            <a:r>
+              <a:rPr lang="en-US" sz="2000" dirty="0"/>
+              <a:t> </a:t>
+            </a:r>
+            <a:r>
+              <a:rPr lang="en-US" sz="2000" dirty="0" err="1"/>
+              <a:t>việc</a:t>
+            </a:r>
+            <a:r>
+              <a:rPr lang="en-US" sz="2000" dirty="0"/>
+              <a:t> </a:t>
+            </a:r>
+            <a:r>
+              <a:rPr lang="en-US" sz="2000" dirty="0" err="1"/>
+              <a:t>mọi</a:t>
+            </a:r>
+            <a:r>
+              <a:rPr lang="en-US" sz="2000" dirty="0"/>
+              <a:t> ng</a:t>
+            </a:r>
+            <a:r>
+              <a:rPr lang="vi-VN" sz="2000" dirty="0"/>
+              <a:t>ư</a:t>
+            </a:r>
+            <a:r>
+              <a:rPr lang="en-US" sz="2000" dirty="0" err="1"/>
+              <a:t>ời</a:t>
+            </a:r>
+            <a:r>
+              <a:rPr lang="en-US" sz="2000" dirty="0"/>
+              <a:t> </a:t>
+            </a:r>
+            <a:r>
+              <a:rPr lang="en-US" sz="2000" dirty="0" err="1"/>
+              <a:t>đeo</a:t>
+            </a:r>
+            <a:r>
+              <a:rPr lang="en-US" sz="2000" dirty="0"/>
+              <a:t> </a:t>
+            </a:r>
+            <a:r>
+              <a:rPr lang="en-US" sz="2000" dirty="0" err="1"/>
+              <a:t>khẩu</a:t>
+            </a:r>
+            <a:r>
+              <a:rPr lang="en-US" sz="2000" dirty="0"/>
+              <a:t> </a:t>
+            </a:r>
+            <a:r>
+              <a:rPr lang="en-US" sz="2000" dirty="0" err="1"/>
+              <a:t>trang</a:t>
+            </a:r>
+            <a:r>
+              <a:rPr lang="en-US" sz="2000" dirty="0"/>
+              <a:t> </a:t>
+            </a:r>
+            <a:r>
+              <a:rPr lang="en-US" sz="2000" dirty="0" err="1"/>
+              <a:t>khi</a:t>
+            </a:r>
+            <a:r>
+              <a:rPr lang="en-US" sz="2000" dirty="0"/>
+              <a:t> ra </a:t>
+            </a:r>
+            <a:r>
+              <a:rPr lang="en-US" sz="2000" dirty="0" err="1"/>
+              <a:t>ngoài</a:t>
+            </a:r>
+            <a:r>
+              <a:rPr lang="en-US" sz="2000" dirty="0"/>
+              <a:t>, hay </a:t>
+            </a:r>
+            <a:r>
+              <a:rPr lang="en-US" sz="2000" dirty="0" err="1"/>
+              <a:t>khi</a:t>
+            </a:r>
+            <a:r>
+              <a:rPr lang="en-US" sz="2000" dirty="0"/>
+              <a:t> </a:t>
+            </a:r>
+            <a:r>
+              <a:rPr lang="en-US" sz="2000" dirty="0" err="1"/>
+              <a:t>tiếp</a:t>
+            </a:r>
+            <a:r>
+              <a:rPr lang="en-US" sz="2000" dirty="0"/>
+              <a:t> </a:t>
+            </a:r>
+            <a:r>
+              <a:rPr lang="en-US" sz="2000" dirty="0" err="1"/>
+              <a:t>xúc</a:t>
+            </a:r>
+            <a:r>
+              <a:rPr lang="en-US" sz="2000" dirty="0"/>
+              <a:t> </a:t>
+            </a:r>
+            <a:r>
+              <a:rPr lang="en-US" sz="2000" dirty="0" err="1"/>
+              <a:t>với</a:t>
+            </a:r>
+            <a:r>
+              <a:rPr lang="en-US" sz="2000" dirty="0"/>
+              <a:t> ng</a:t>
+            </a:r>
+            <a:r>
+              <a:rPr lang="vi-VN" sz="2000" dirty="0"/>
+              <a:t>ư</a:t>
+            </a:r>
+            <a:r>
+              <a:rPr lang="en-US" sz="2000" dirty="0" err="1"/>
+              <a:t>ời</a:t>
+            </a:r>
+            <a:r>
+              <a:rPr lang="en-US" sz="2000" dirty="0"/>
+              <a:t> </a:t>
+            </a:r>
+            <a:r>
+              <a:rPr lang="en-US" sz="2000" dirty="0" err="1"/>
+              <a:t>khác</a:t>
+            </a:r>
+            <a:r>
+              <a:rPr lang="en-US" sz="2000" dirty="0"/>
+              <a:t> </a:t>
+            </a:r>
+            <a:r>
+              <a:rPr lang="en-US" sz="2000" dirty="0" err="1"/>
+              <a:t>là</a:t>
+            </a:r>
+            <a:r>
+              <a:rPr lang="en-US" sz="2000" dirty="0"/>
+              <a:t> </a:t>
+            </a:r>
+            <a:r>
+              <a:rPr lang="en-US" sz="2000" dirty="0" err="1"/>
+              <a:t>điều</a:t>
+            </a:r>
+            <a:r>
+              <a:rPr lang="en-US" sz="2000" dirty="0"/>
+              <a:t> </a:t>
+            </a:r>
+            <a:r>
+              <a:rPr lang="en-US" sz="2000" dirty="0" err="1"/>
+              <a:t>hết</a:t>
+            </a:r>
+            <a:r>
+              <a:rPr lang="en-US" sz="2000" dirty="0"/>
+              <a:t> </a:t>
+            </a:r>
+            <a:r>
+              <a:rPr lang="en-US" sz="2000" dirty="0" err="1"/>
+              <a:t>sức</a:t>
+            </a:r>
+            <a:r>
+              <a:rPr lang="en-US" sz="2000" dirty="0"/>
+              <a:t> </a:t>
+            </a:r>
+            <a:r>
+              <a:rPr lang="en-US" sz="2000" dirty="0" err="1"/>
+              <a:t>quan</a:t>
+            </a:r>
+            <a:r>
+              <a:rPr lang="en-US" sz="2000" dirty="0"/>
+              <a:t> </a:t>
+            </a:r>
+            <a:r>
+              <a:rPr lang="en-US" sz="2000" dirty="0" err="1"/>
+              <a:t>trọng</a:t>
+            </a:r>
+            <a:r>
+              <a:rPr lang="en-US" sz="2000" dirty="0"/>
+              <a:t> </a:t>
+            </a:r>
+            <a:r>
+              <a:rPr lang="en-US" sz="2000" dirty="0" err="1"/>
+              <a:t>và</a:t>
+            </a:r>
+            <a:r>
+              <a:rPr lang="en-US" sz="2000" dirty="0"/>
+              <a:t> </a:t>
+            </a:r>
+            <a:r>
+              <a:rPr lang="en-US" sz="2000" dirty="0" err="1"/>
+              <a:t>cần</a:t>
+            </a:r>
+            <a:r>
+              <a:rPr lang="en-US" sz="2000" dirty="0"/>
+              <a:t> </a:t>
+            </a:r>
+            <a:r>
+              <a:rPr lang="en-US" sz="2000" dirty="0" err="1"/>
+              <a:t>thiết</a:t>
+            </a:r>
+            <a:r>
+              <a:rPr lang="en-US" sz="2000" dirty="0"/>
+              <a:t>. </a:t>
+            </a:r>
+            <a:r>
+              <a:rPr lang="en-US" sz="2000" dirty="0" err="1"/>
+              <a:t>Đặc</a:t>
+            </a:r>
+            <a:r>
+              <a:rPr lang="en-US" sz="2000" dirty="0"/>
+              <a:t> </a:t>
+            </a:r>
+            <a:r>
+              <a:rPr lang="en-US" sz="2000" dirty="0" err="1"/>
+              <a:t>biệt</a:t>
+            </a:r>
+            <a:r>
+              <a:rPr lang="en-US" sz="2000" dirty="0"/>
+              <a:t> </a:t>
+            </a:r>
+            <a:r>
+              <a:rPr lang="en-US" sz="2000" dirty="0" err="1"/>
+              <a:t>là</a:t>
+            </a:r>
+            <a:r>
+              <a:rPr lang="en-US" sz="2000" dirty="0"/>
+              <a:t> </a:t>
+            </a:r>
+            <a:r>
+              <a:rPr lang="en-US" sz="2000" dirty="0" err="1"/>
+              <a:t>tại</a:t>
+            </a:r>
+            <a:r>
+              <a:rPr lang="en-US" sz="2000" dirty="0"/>
+              <a:t> </a:t>
+            </a:r>
+            <a:r>
+              <a:rPr lang="en-US" sz="2000" dirty="0" err="1"/>
+              <a:t>các</a:t>
+            </a:r>
+            <a:r>
+              <a:rPr lang="en-US" sz="2000" dirty="0"/>
+              <a:t> </a:t>
+            </a:r>
+            <a:r>
+              <a:rPr lang="en-US" sz="2000" dirty="0" err="1"/>
+              <a:t>địa</a:t>
+            </a:r>
+            <a:r>
+              <a:rPr lang="en-US" sz="2000" dirty="0"/>
+              <a:t> </a:t>
+            </a:r>
+            <a:r>
+              <a:rPr lang="en-US" sz="2000" dirty="0" err="1"/>
+              <a:t>điểm</a:t>
+            </a:r>
+            <a:r>
+              <a:rPr lang="en-US" sz="2000" dirty="0"/>
+              <a:t> </a:t>
+            </a:r>
+            <a:r>
+              <a:rPr lang="en-US" sz="2000" dirty="0" err="1"/>
+              <a:t>có</a:t>
+            </a:r>
+            <a:r>
+              <a:rPr lang="en-US" sz="2000" dirty="0"/>
+              <a:t> </a:t>
+            </a:r>
+            <a:r>
+              <a:rPr lang="en-US" sz="2000" dirty="0" err="1"/>
+              <a:t>khả</a:t>
+            </a:r>
+            <a:r>
+              <a:rPr lang="en-US" sz="2000" dirty="0"/>
+              <a:t> </a:t>
+            </a:r>
+            <a:r>
+              <a:rPr lang="en-US" sz="2000" dirty="0" err="1"/>
+              <a:t>năng</a:t>
+            </a:r>
+            <a:r>
+              <a:rPr lang="en-US" sz="2000" dirty="0"/>
+              <a:t> </a:t>
+            </a:r>
+            <a:r>
+              <a:rPr lang="en-US" sz="2000" dirty="0" err="1"/>
+              <a:t>tụ</a:t>
+            </a:r>
+            <a:r>
+              <a:rPr lang="en-US" sz="2000" dirty="0"/>
+              <a:t> </a:t>
+            </a:r>
+            <a:r>
+              <a:rPr lang="en-US" sz="2000" dirty="0" err="1"/>
+              <a:t>tập</a:t>
+            </a:r>
+            <a:r>
+              <a:rPr lang="en-US" sz="2000" dirty="0"/>
+              <a:t>, </a:t>
+            </a:r>
+            <a:r>
+              <a:rPr lang="en-US" sz="2000" dirty="0" err="1"/>
+              <a:t>thu</a:t>
+            </a:r>
+            <a:r>
+              <a:rPr lang="en-US" sz="2000" dirty="0"/>
+              <a:t> </a:t>
+            </a:r>
+            <a:r>
+              <a:rPr lang="en-US" sz="2000" dirty="0" err="1"/>
+              <a:t>hút</a:t>
+            </a:r>
+            <a:r>
+              <a:rPr lang="en-US" sz="2000" dirty="0"/>
+              <a:t> </a:t>
+            </a:r>
+            <a:r>
+              <a:rPr lang="en-US" sz="2000" dirty="0" err="1"/>
+              <a:t>đông</a:t>
+            </a:r>
+            <a:r>
+              <a:rPr lang="en-US" sz="2000" dirty="0"/>
+              <a:t> ng</a:t>
+            </a:r>
+            <a:r>
+              <a:rPr lang="vi-VN" sz="2000" dirty="0"/>
+              <a:t>ư</a:t>
+            </a:r>
+            <a:r>
+              <a:rPr lang="en-US" sz="2000" dirty="0" err="1"/>
+              <a:t>ời</a:t>
+            </a:r>
+            <a:r>
+              <a:rPr lang="en-US" sz="2000" dirty="0"/>
+              <a:t> </a:t>
+            </a:r>
+            <a:r>
+              <a:rPr lang="en-US" sz="2000" dirty="0" err="1"/>
+              <a:t>tới</a:t>
+            </a:r>
+            <a:r>
+              <a:rPr lang="en-US" sz="2000" dirty="0"/>
+              <a:t> </a:t>
+            </a:r>
+            <a:r>
+              <a:rPr lang="en-US" sz="2000" dirty="0" err="1"/>
+              <a:t>như</a:t>
+            </a:r>
+            <a:r>
+              <a:rPr lang="en-US" sz="2000" dirty="0"/>
+              <a:t> </a:t>
+            </a:r>
+            <a:r>
+              <a:rPr lang="en-US" sz="2000" dirty="0" err="1"/>
+              <a:t>siêu</a:t>
+            </a:r>
+            <a:r>
+              <a:rPr lang="en-US" sz="2000" dirty="0"/>
+              <a:t> </a:t>
+            </a:r>
+            <a:r>
+              <a:rPr lang="en-US" sz="2000" dirty="0" err="1"/>
+              <a:t>thị</a:t>
+            </a:r>
+            <a:r>
+              <a:rPr lang="en-US" sz="2000" dirty="0"/>
+              <a:t>, </a:t>
+            </a:r>
+            <a:r>
+              <a:rPr lang="en-US" sz="2000" dirty="0" err="1"/>
+              <a:t>công</a:t>
+            </a:r>
+            <a:r>
+              <a:rPr lang="en-US" sz="2000" dirty="0"/>
+              <a:t> </a:t>
+            </a:r>
+            <a:r>
+              <a:rPr lang="en-US" sz="2000" dirty="0" err="1"/>
+              <a:t>sở</a:t>
+            </a:r>
+            <a:r>
+              <a:rPr lang="en-US" sz="2000" dirty="0"/>
+              <a:t>, </a:t>
+            </a:r>
+            <a:r>
+              <a:rPr lang="en-US" sz="2000" dirty="0" err="1"/>
+              <a:t>doanh</a:t>
+            </a:r>
+            <a:r>
+              <a:rPr lang="en-US" sz="2000" dirty="0"/>
+              <a:t> </a:t>
+            </a:r>
+            <a:r>
+              <a:rPr lang="en-US" sz="2000" dirty="0" err="1"/>
+              <a:t>nghiệp</a:t>
+            </a:r>
+            <a:r>
+              <a:rPr lang="en-US" sz="2000" dirty="0"/>
+              <a:t>, tr</a:t>
+            </a:r>
+            <a:r>
+              <a:rPr lang="vi-VN" sz="2000" dirty="0"/>
+              <a:t>ư</a:t>
+            </a:r>
+            <a:r>
+              <a:rPr lang="en-US" sz="2000" dirty="0" err="1"/>
+              <a:t>ờng</a:t>
+            </a:r>
+            <a:r>
+              <a:rPr lang="en-US" sz="2000" dirty="0"/>
+              <a:t> </a:t>
+            </a:r>
+            <a:r>
+              <a:rPr lang="en-US" sz="2000" dirty="0" err="1"/>
+              <a:t>học</a:t>
+            </a:r>
+            <a:r>
+              <a:rPr lang="en-US" sz="2000" dirty="0"/>
+              <a:t>.</a:t>
+            </a:r>
+          </a:p>
+          <a:p>
+            <a:pPr marL="0" indent="0">
+              <a:buNone/>
+            </a:pPr>
+            <a:endParaRPr lang="en-US" dirty="0"/>
+          </a:p>
+          <a:p>
+            <a:r>
+              <a:rPr lang="en-US" sz="2000" dirty="0" err="1"/>
               <a:t>Nhằm</a:t>
             </a:r>
             <a:r>
@@ -11617,6 +12101,9 @@
             </a:r>
           </a:p>
           <a:p>
+            <a:pPr marL="0" indent="0">
+              <a:buNone/>
+            </a:pPr>
             <a:endParaRPr lang="en-US" sz="2000" dirty="0"/>
           </a:p>
           <a:p>
@@ -11724,7 +12211,7 @@
           <p:cNvPr id="4" name="Slide Number Placeholder 3">
             <a:extLst>
               <a:ext uri="{FF2B5EF4-FFF2-40B4-BE49-F238E27FC236}">
-                <a16:creationId xmlns:a16="http://schemas.microsoft.com/office/drawing/2014/main" xmlns="" id="{DFEB4E57-092D-4F96-A7C8-9E7661C6D9A6}"/>
+                <a16:creationId xmlns:a16="http://schemas.microsoft.com/office/drawing/2014/main" id="{DFEB4E57-092D-4F96-A7C8-9E7661C6D9A6}"/>
               </a:ext>
             </a:extLst>
           </p:cNvPr>
@@ -11758,13 +12245,6 @@
   <p:clrMapOvr>
     <a:masterClrMapping/>
   </p:clrMapOvr>
-  <p:timing>
-    <p:tnLst>
-      <p:par>
-        <p:cTn id="1" dur="indefinite" restart="never" nodeType="tmRoot"/>
-      </p:par>
-    </p:tnLst>
-  </p:timing>
 </p:sld>
 </file>
 
@@ -12146,7 +12626,7 @@
           <p:cNvPr id="4" name="Slide Number Placeholder 3">
             <a:extLst>
               <a:ext uri="{FF2B5EF4-FFF2-40B4-BE49-F238E27FC236}">
-                <a16:creationId xmlns:a16="http://schemas.microsoft.com/office/drawing/2014/main" xmlns="" id="{7F27ABFF-0AAD-4AC6-943C-E5134EFD7F30}"/>
+                <a16:creationId xmlns:a16="http://schemas.microsoft.com/office/drawing/2014/main" id="{7F27ABFF-0AAD-4AC6-943C-E5134EFD7F30}"/>
               </a:ext>
             </a:extLst>
           </p:cNvPr>
@@ -12180,13 +12660,6 @@
   <p:clrMapOvr>
     <a:masterClrMapping/>
   </p:clrMapOvr>
-  <p:timing>
-    <p:tnLst>
-      <p:par>
-        <p:cTn id="1" dur="indefinite" restart="never" nodeType="tmRoot"/>
-      </p:par>
-    </p:tnLst>
-  </p:timing>
 </p:sld>
 </file>
 
@@ -12279,7 +12752,7 @@
           <p:cNvPr id="4" name="Slide Number Placeholder 3">
             <a:extLst>
               <a:ext uri="{FF2B5EF4-FFF2-40B4-BE49-F238E27FC236}">
-                <a16:creationId xmlns:a16="http://schemas.microsoft.com/office/drawing/2014/main" xmlns="" id="{7F27ABFF-0AAD-4AC6-943C-E5134EFD7F30}"/>
+                <a16:creationId xmlns:a16="http://schemas.microsoft.com/office/drawing/2014/main" id="{7F27ABFF-0AAD-4AC6-943C-E5134EFD7F30}"/>
               </a:ext>
             </a:extLst>
           </p:cNvPr>
@@ -12319,8 +12792,8 @@
         </p:blipFill>
         <p:spPr>
           <a:xfrm>
-            <a:off x="827791" y="1265915"/>
-            <a:ext cx="9670991" cy="5439932"/>
+            <a:off x="1256252" y="1473939"/>
+            <a:ext cx="8665344" cy="4874256"/>
           </a:xfrm>
           <a:prstGeom prst="rect">
             <a:avLst/>
@@ -12337,13 +12810,6 @@
   <p:clrMapOvr>
     <a:masterClrMapping/>
   </p:clrMapOvr>
-  <p:timing>
-    <p:tnLst>
-      <p:par>
-        <p:cTn id="1" dur="indefinite" restart="never" nodeType="tmRoot"/>
-      </p:par>
-    </p:tnLst>
-  </p:timing>
 </p:sld>
 </file>
 
@@ -12457,62 +12923,61 @@
               <a:buNone/>
             </a:pPr>
             <a:r>
-              <a:rPr lang="en-US" sz="2000" dirty="0" err="1" smtClean="0"/>
+              <a:rPr lang="en-US" sz="2000" dirty="0" err="1"/>
               <a:t>Tập</a:t>
             </a:r>
             <a:r>
-              <a:rPr lang="en-US" sz="2000" dirty="0" smtClean="0"/>
-              <a:t> </a:t>
-            </a:r>
-            <a:r>
-              <a:rPr lang="en-US" sz="2000" dirty="0" err="1" smtClean="0"/>
+              <a:rPr lang="en-US" sz="2000" dirty="0"/>
+              <a:t> </a:t>
+            </a:r>
+            <a:r>
+              <a:rPr lang="en-US" sz="2000" dirty="0" err="1"/>
               <a:t>được</a:t>
             </a:r>
             <a:r>
-              <a:rPr lang="en-US" sz="2000" dirty="0" smtClean="0"/>
+              <a:rPr lang="en-US" sz="2000" dirty="0"/>
               <a:t> down </a:t>
             </a:r>
             <a:r>
-              <a:rPr lang="en-US" sz="2000" dirty="0" err="1" smtClean="0"/>
+              <a:rPr lang="en-US" sz="2000" dirty="0" err="1"/>
               <a:t>về</a:t>
             </a:r>
             <a:r>
-              <a:rPr lang="en-US" sz="2000" dirty="0" smtClean="0"/>
-              <a:t> </a:t>
-            </a:r>
-            <a:r>
-              <a:rPr lang="en-US" sz="2000" dirty="0" err="1" smtClean="0"/>
+              <a:rPr lang="en-US" sz="2000" dirty="0"/>
+              <a:t> </a:t>
+            </a:r>
+            <a:r>
+              <a:rPr lang="en-US" sz="2000" dirty="0" err="1"/>
               <a:t>sẽ</a:t>
             </a:r>
             <a:r>
-              <a:rPr lang="en-US" sz="2000" dirty="0" smtClean="0"/>
-              <a:t> </a:t>
-            </a:r>
-            <a:r>
-              <a:rPr lang="en-US" sz="2000" dirty="0" err="1" smtClean="0"/>
+              <a:rPr lang="en-US" sz="2000" dirty="0"/>
+              <a:t> </a:t>
+            </a:r>
+            <a:r>
+              <a:rPr lang="en-US" sz="2000" dirty="0" err="1"/>
               <a:t>được</a:t>
             </a:r>
             <a:r>
-              <a:rPr lang="en-US" sz="2000" dirty="0" smtClean="0"/>
+              <a:rPr lang="en-US" sz="2000" dirty="0"/>
               <a:t> chia </a:t>
             </a:r>
             <a:r>
-              <a:rPr lang="en-US" sz="2000" dirty="0" err="1" smtClean="0"/>
+              <a:rPr lang="en-US" sz="2000" dirty="0" err="1"/>
               <a:t>làm</a:t>
             </a:r>
             <a:r>
-              <a:rPr lang="en-US" sz="2000" dirty="0" smtClean="0"/>
+              <a:rPr lang="en-US" sz="2000" dirty="0"/>
               <a:t> 2 </a:t>
             </a:r>
             <a:r>
-              <a:rPr lang="en-US" sz="2000" dirty="0" err="1" smtClean="0"/>
+              <a:rPr lang="en-US" sz="2000" dirty="0" err="1"/>
               <a:t>phần</a:t>
             </a:r>
             <a:r>
-              <a:rPr lang="en-US" sz="2000" dirty="0" smtClean="0"/>
+              <a:rPr lang="en-US" sz="2000" dirty="0"/>
               <a:t>:</a:t>
             </a:r>
-            <a:endParaRPr lang="en-US" sz="2000" dirty="0"/>
           </a:p>
         </p:txBody>
       </p:sp>
@@ -12521,7 +12986,7 @@
           <p:cNvPr id="4" name="Slide Number Placeholder 3">
             <a:extLst>
               <a:ext uri="{FF2B5EF4-FFF2-40B4-BE49-F238E27FC236}">
-                <a16:creationId xmlns:a16="http://schemas.microsoft.com/office/drawing/2014/main" xmlns="" id="{7F27ABFF-0AAD-4AC6-943C-E5134EFD7F30}"/>
+                <a16:creationId xmlns:a16="http://schemas.microsoft.com/office/drawing/2014/main" id="{7F27ABFF-0AAD-4AC6-943C-E5134EFD7F30}"/>
               </a:ext>
             </a:extLst>
           </p:cNvPr>
@@ -12567,7 +13032,7 @@
         </p:blipFill>
         <p:spPr>
           <a:xfrm>
-            <a:off x="2041958" y="1999032"/>
+            <a:off x="1943360" y="2171032"/>
             <a:ext cx="7330642" cy="4047375"/>
           </a:xfrm>
           <a:prstGeom prst="rect">
@@ -12585,13 +13050,6 @@
   <p:clrMapOvr>
     <a:masterClrMapping/>
   </p:clrMapOvr>
-  <p:timing>
-    <p:tnLst>
-      <p:par>
-        <p:cTn id="1" dur="indefinite" restart="never" nodeType="tmRoot"/>
-      </p:par>
-    </p:tnLst>
-  </p:timing>
 </p:sld>
 </file>
 
@@ -12691,8 +13149,8 @@
         </p:nvSpPr>
         <p:spPr>
           <a:xfrm>
-            <a:off x="677334" y="1512724"/>
-            <a:ext cx="10474928" cy="1409938"/>
+            <a:off x="677334" y="1930400"/>
+            <a:ext cx="10474928" cy="2397112"/>
           </a:xfrm>
         </p:spPr>
         <p:txBody>
@@ -12705,79 +13163,79 @@
               <a:buNone/>
             </a:pPr>
             <a:r>
-              <a:rPr lang="en-US" sz="2000" dirty="0" err="1" smtClean="0"/>
+              <a:rPr lang="en-US" sz="2000" dirty="0" err="1"/>
               <a:t>Sau</a:t>
             </a:r>
             <a:r>
-              <a:rPr lang="en-US" sz="2000" dirty="0" smtClean="0"/>
-              <a:t> </a:t>
-            </a:r>
-            <a:r>
-              <a:rPr lang="en-US" sz="2000" dirty="0" err="1" smtClean="0"/>
+              <a:rPr lang="en-US" sz="2000" dirty="0"/>
+              <a:t> </a:t>
+            </a:r>
+            <a:r>
+              <a:rPr lang="en-US" sz="2000" dirty="0" err="1"/>
               <a:t>đó</a:t>
             </a:r>
             <a:r>
-              <a:rPr lang="en-US" sz="2000" dirty="0" smtClean="0"/>
-              <a:t> </a:t>
-            </a:r>
-            <a:r>
-              <a:rPr lang="en-US" sz="2000" dirty="0" err="1" smtClean="0"/>
+              <a:rPr lang="en-US" sz="2000" dirty="0"/>
+              <a:t> </a:t>
+            </a:r>
+            <a:r>
+              <a:rPr lang="en-US" sz="2000" dirty="0" err="1"/>
               <a:t>tiến</a:t>
             </a:r>
             <a:r>
-              <a:rPr lang="en-US" sz="2000" dirty="0" smtClean="0"/>
-              <a:t> </a:t>
-            </a:r>
-            <a:r>
-              <a:rPr lang="en-US" sz="2000" dirty="0" err="1" smtClean="0"/>
+              <a:rPr lang="en-US" sz="2000" dirty="0"/>
+              <a:t> </a:t>
+            </a:r>
+            <a:r>
+              <a:rPr lang="en-US" sz="2000" dirty="0" err="1"/>
               <a:t>hành</a:t>
             </a:r>
             <a:r>
-              <a:rPr lang="en-US" sz="2000" dirty="0" smtClean="0"/>
-              <a:t> </a:t>
-            </a:r>
-            <a:r>
-              <a:rPr lang="en-US" sz="2000" dirty="0" err="1" smtClean="0"/>
+              <a:rPr lang="en-US" sz="2000" dirty="0"/>
+              <a:t> </a:t>
+            </a:r>
+            <a:r>
+              <a:rPr lang="en-US" sz="2000" dirty="0" err="1"/>
               <a:t>cắt</a:t>
             </a:r>
             <a:r>
-              <a:rPr lang="en-US" sz="2000" dirty="0" smtClean="0"/>
-              <a:t> </a:t>
-            </a:r>
-            <a:r>
-              <a:rPr lang="en-US" sz="2000" dirty="0" err="1" smtClean="0"/>
+              <a:rPr lang="en-US" sz="2000" dirty="0"/>
+              <a:t> </a:t>
+            </a:r>
+            <a:r>
+              <a:rPr lang="en-US" sz="2000" dirty="0" err="1"/>
               <a:t>phần</a:t>
             </a:r>
             <a:r>
-              <a:rPr lang="en-US" sz="2000" dirty="0" smtClean="0"/>
-              <a:t> </a:t>
-            </a:r>
-            <a:r>
-              <a:rPr lang="en-US" sz="2000" dirty="0" err="1" smtClean="0"/>
+              <a:rPr lang="en-US" sz="2000" dirty="0"/>
+              <a:t> </a:t>
+            </a:r>
+            <a:r>
+              <a:rPr lang="en-US" sz="2000" dirty="0" err="1"/>
               <a:t>mặt</a:t>
             </a:r>
             <a:r>
-              <a:rPr lang="en-US" sz="2000" dirty="0" smtClean="0"/>
-              <a:t> </a:t>
-            </a:r>
-            <a:r>
-              <a:rPr lang="en-US" sz="2000" dirty="0" err="1" smtClean="0"/>
+              <a:rPr lang="en-US" sz="2000" dirty="0"/>
+              <a:t> </a:t>
+            </a:r>
+            <a:r>
+              <a:rPr lang="en-US" sz="2000" dirty="0" err="1"/>
               <a:t>trong</a:t>
             </a:r>
             <a:r>
-              <a:rPr lang="en-US" sz="2000" dirty="0" smtClean="0"/>
-              <a:t> </a:t>
-            </a:r>
-            <a:r>
-              <a:rPr lang="en-US" sz="2000" dirty="0" err="1" smtClean="0"/>
+              <a:rPr lang="en-US" sz="2000" dirty="0"/>
+              <a:t> </a:t>
+            </a:r>
+            <a:r>
+              <a:rPr lang="en-US" sz="2000" dirty="0" err="1"/>
               <a:t>tấm</a:t>
             </a:r>
             <a:r>
-              <a:rPr lang="en-US" sz="2000" dirty="0" smtClean="0"/>
-              <a:t> </a:t>
-            </a:r>
-            <a:r>
-              <a:rPr lang="en-US" sz="2000" dirty="0" err="1" smtClean="0"/>
+              <a:rPr lang="en-US" sz="2000" dirty="0"/>
+              <a:t> </a:t>
+            </a:r>
+            <a:r>
+              <a:rPr lang="en-US" sz="2000" dirty="0" err="1"/>
               <a:t>hình</a:t>
             </a:r>
             <a:r>
@@ -12785,96 +13243,95 @@
               <a:t> </a:t>
             </a:r>
             <a:r>
-              <a:rPr lang="en-US" sz="2000" dirty="0" err="1" smtClean="0"/>
+              <a:rPr lang="en-US" sz="2000" dirty="0" err="1"/>
               <a:t>bằng</a:t>
             </a:r>
             <a:r>
-              <a:rPr lang="en-US" sz="2000" dirty="0" smtClean="0"/>
+              <a:rPr lang="en-US" sz="2000" dirty="0"/>
               <a:t> 2 </a:t>
             </a:r>
             <a:r>
-              <a:rPr lang="en-US" sz="2000" dirty="0" err="1" smtClean="0"/>
+              <a:rPr lang="en-US" sz="2000" dirty="0" err="1"/>
               <a:t>cách</a:t>
             </a:r>
             <a:r>
-              <a:rPr lang="en-US" sz="2000" dirty="0" smtClean="0"/>
+              <a:rPr lang="en-US" sz="2000" dirty="0"/>
               <a:t>:</a:t>
             </a:r>
           </a:p>
           <a:p>
-            <a:pPr marL="0" indent="0">
-              <a:buNone/>
+            <a:pPr lvl="1">
+              <a:buFont typeface="Wingdings" panose="05000000000000000000" pitchFamily="2" charset="2"/>
+              <a:buChar char="Ø"/>
             </a:pPr>
             <a:r>
-              <a:rPr lang="en-US" sz="2000" dirty="0" smtClean="0"/>
-              <a:t>+</a:t>
-            </a:r>
-            <a:r>
-              <a:rPr lang="en-US" sz="2000" dirty="0" err="1" smtClean="0"/>
+              <a:rPr lang="en-US" sz="2000" dirty="0" err="1"/>
               <a:t>cách</a:t>
             </a:r>
             <a:r>
-              <a:rPr lang="en-US" sz="2000" dirty="0" smtClean="0"/>
+              <a:rPr lang="en-US" sz="2000" dirty="0"/>
               <a:t> 1: </a:t>
             </a:r>
             <a:r>
-              <a:rPr lang="en-US" sz="2000" dirty="0" err="1" smtClean="0"/>
+              <a:rPr lang="en-US" sz="2000" dirty="0" err="1"/>
               <a:t>dùng</a:t>
             </a:r>
             <a:r>
-              <a:rPr lang="en-US" sz="2000" dirty="0" smtClean="0"/>
-              <a:t> </a:t>
-            </a:r>
-            <a:r>
-              <a:rPr lang="en-US" sz="2000" dirty="0" err="1" smtClean="0"/>
+              <a:rPr lang="en-US" sz="2000" dirty="0"/>
+              <a:t> </a:t>
+            </a:r>
+            <a:r>
+              <a:rPr lang="en-US" sz="2000" dirty="0" err="1"/>
               <a:t>CascadeClassifier</a:t>
             </a:r>
             <a:r>
-              <a:rPr lang="en-US" sz="2000" dirty="0" smtClean="0"/>
+              <a:rPr lang="en-US" sz="2000" dirty="0"/>
               <a:t>.</a:t>
             </a:r>
           </a:p>
           <a:p>
-            <a:pPr marL="0" indent="0">
+            <a:pPr marL="457200" lvl="1" indent="0">
               <a:buNone/>
             </a:pPr>
-            <a:r>
-              <a:rPr lang="en-US" sz="2000" dirty="0" smtClean="0"/>
-              <a:t>+</a:t>
-            </a:r>
-            <a:r>
-              <a:rPr lang="en-US" sz="2000" dirty="0" err="1" smtClean="0"/>
+            <a:endParaRPr lang="en-US" sz="2000" dirty="0"/>
+          </a:p>
+          <a:p>
+            <a:pPr lvl="1">
+              <a:buFont typeface="Wingdings" panose="05000000000000000000" pitchFamily="2" charset="2"/>
+              <a:buChar char="Ø"/>
+            </a:pPr>
+            <a:r>
+              <a:rPr lang="en-US" sz="2000" dirty="0" err="1"/>
               <a:t>cách</a:t>
             </a:r>
             <a:r>
-              <a:rPr lang="en-US" sz="2000" dirty="0" smtClean="0"/>
+              <a:rPr lang="en-US" sz="2000" dirty="0"/>
               <a:t> 2: </a:t>
             </a:r>
             <a:r>
-              <a:rPr lang="en-US" sz="2000" dirty="0" err="1" smtClean="0"/>
+              <a:rPr lang="en-US" sz="2000" dirty="0" err="1"/>
               <a:t>cắt</a:t>
             </a:r>
             <a:r>
-              <a:rPr lang="en-US" sz="2000" dirty="0" smtClean="0"/>
-              <a:t> </a:t>
-            </a:r>
-            <a:r>
-              <a:rPr lang="en-US" sz="2000" dirty="0" err="1" smtClean="0"/>
+              <a:rPr lang="en-US" sz="2000" dirty="0"/>
+              <a:t> </a:t>
+            </a:r>
+            <a:r>
+              <a:rPr lang="en-US" sz="2000" dirty="0" err="1"/>
               <a:t>bằng</a:t>
             </a:r>
             <a:r>
-              <a:rPr lang="en-US" sz="2000" dirty="0" smtClean="0"/>
-              <a:t> </a:t>
-            </a:r>
-            <a:r>
-              <a:rPr lang="en-US" sz="2000" dirty="0" err="1" smtClean="0"/>
+              <a:rPr lang="en-US" sz="2000" dirty="0"/>
+              <a:t> </a:t>
+            </a:r>
+            <a:r>
+              <a:rPr lang="en-US" sz="2000" dirty="0" err="1"/>
               <a:t>tay</a:t>
             </a:r>
             <a:r>
-              <a:rPr lang="en-US" sz="2000" dirty="0" smtClean="0"/>
+              <a:rPr lang="en-US" sz="2000" dirty="0"/>
               <a:t>.</a:t>
             </a:r>
-            <a:endParaRPr lang="en-US" sz="2000" dirty="0"/>
           </a:p>
         </p:txBody>
       </p:sp>
@@ -12883,7 +13340,7 @@
           <p:cNvPr id="4" name="Slide Number Placeholder 3">
             <a:extLst>
               <a:ext uri="{FF2B5EF4-FFF2-40B4-BE49-F238E27FC236}">
-                <a16:creationId xmlns:a16="http://schemas.microsoft.com/office/drawing/2014/main" xmlns="" id="{7F27ABFF-0AAD-4AC6-943C-E5134EFD7F30}"/>
+                <a16:creationId xmlns:a16="http://schemas.microsoft.com/office/drawing/2014/main" id="{7F27ABFF-0AAD-4AC6-943C-E5134EFD7F30}"/>
               </a:ext>
             </a:extLst>
           </p:cNvPr>
@@ -12917,13 +13374,6 @@
   <p:clrMapOvr>
     <a:masterClrMapping/>
   </p:clrMapOvr>
-  <p:timing>
-    <p:tnLst>
-      <p:par>
-        <p:cTn id="1" dur="indefinite" restart="never" nodeType="tmRoot"/>
-      </p:par>
-    </p:tnLst>
-  </p:timing>
 </p:sld>
 </file>
 
@@ -13016,7 +13466,7 @@
           <p:cNvPr id="4" name="Slide Number Placeholder 3">
             <a:extLst>
               <a:ext uri="{FF2B5EF4-FFF2-40B4-BE49-F238E27FC236}">
-                <a16:creationId xmlns:a16="http://schemas.microsoft.com/office/drawing/2014/main" xmlns="" id="{68ACDF87-413C-4317-9995-796D514C73F6}"/>
+                <a16:creationId xmlns:a16="http://schemas.microsoft.com/office/drawing/2014/main" id="{68ACDF87-413C-4317-9995-796D514C73F6}"/>
               </a:ext>
             </a:extLst>
           </p:cNvPr>
@@ -13352,91 +13802,91 @@
               <a:t>	</a:t>
             </a:r>
             <a:r>
-              <a:rPr lang="en-US" sz="1800" dirty="0" err="1" smtClean="0"/>
+              <a:rPr lang="en-US" sz="1800" dirty="0" err="1"/>
               <a:t>Cắt</a:t>
             </a:r>
             <a:r>
-              <a:rPr lang="en-US" sz="1800" dirty="0" smtClean="0"/>
-              <a:t> </a:t>
-            </a:r>
-            <a:r>
-              <a:rPr lang="en-US" sz="1800" dirty="0" err="1" smtClean="0"/>
+              <a:rPr lang="en-US" sz="1800" dirty="0"/>
+              <a:t> </a:t>
+            </a:r>
+            <a:r>
+              <a:rPr lang="en-US" sz="1800" dirty="0" err="1"/>
               <a:t>phần</a:t>
             </a:r>
             <a:r>
-              <a:rPr lang="en-US" sz="1800" dirty="0" smtClean="0"/>
-              <a:t> </a:t>
-            </a:r>
-            <a:r>
-              <a:rPr lang="en-US" sz="1800" dirty="0" err="1" smtClean="0"/>
+              <a:rPr lang="en-US" sz="1800" dirty="0"/>
+              <a:t> </a:t>
+            </a:r>
+            <a:r>
+              <a:rPr lang="en-US" sz="1800" dirty="0" err="1"/>
               <a:t>khuôn</a:t>
             </a:r>
             <a:r>
-              <a:rPr lang="en-US" sz="1800" dirty="0" smtClean="0"/>
-              <a:t> </a:t>
-            </a:r>
-            <a:r>
-              <a:rPr lang="en-US" sz="1800" dirty="0" err="1" smtClean="0"/>
+              <a:rPr lang="en-US" sz="1800" dirty="0"/>
+              <a:t> </a:t>
+            </a:r>
+            <a:r>
+              <a:rPr lang="en-US" sz="1800" dirty="0" err="1"/>
               <a:t>mặt</a:t>
             </a:r>
             <a:r>
-              <a:rPr lang="en-US" sz="1800" dirty="0" smtClean="0"/>
-              <a:t> </a:t>
-            </a:r>
-            <a:r>
-              <a:rPr lang="en-US" sz="1800" dirty="0" err="1" smtClean="0"/>
+              <a:rPr lang="en-US" sz="1800" dirty="0"/>
+              <a:t> </a:t>
+            </a:r>
+            <a:r>
+              <a:rPr lang="en-US" sz="1800" dirty="0" err="1"/>
               <a:t>trong</a:t>
             </a:r>
             <a:r>
-              <a:rPr lang="en-US" sz="1800" dirty="0" smtClean="0"/>
-              <a:t> </a:t>
-            </a:r>
-            <a:r>
-              <a:rPr lang="en-US" sz="1800" dirty="0" err="1" smtClean="0"/>
+              <a:rPr lang="en-US" sz="1800" dirty="0"/>
+              <a:t> </a:t>
+            </a:r>
+            <a:r>
+              <a:rPr lang="en-US" sz="1800" dirty="0" err="1"/>
               <a:t>tấm</a:t>
             </a:r>
             <a:r>
-              <a:rPr lang="en-US" sz="1800" dirty="0" smtClean="0"/>
-              <a:t> </a:t>
-            </a:r>
-            <a:r>
-              <a:rPr lang="en-US" sz="1800" dirty="0" err="1" smtClean="0"/>
+              <a:rPr lang="en-US" sz="1800" dirty="0"/>
+              <a:t> </a:t>
+            </a:r>
+            <a:r>
+              <a:rPr lang="en-US" sz="1800" dirty="0" err="1"/>
               <a:t>hình</a:t>
             </a:r>
             <a:r>
-              <a:rPr lang="en-US" sz="1800" dirty="0" smtClean="0"/>
+              <a:rPr lang="en-US" sz="1800" dirty="0"/>
               <a:t>. (</a:t>
             </a:r>
             <a:r>
-              <a:rPr lang="en-US" sz="1800" dirty="0" err="1" smtClean="0"/>
+              <a:rPr lang="en-US" sz="1800" dirty="0" err="1"/>
               <a:t>dùng</a:t>
             </a:r>
             <a:r>
-              <a:rPr lang="en-US" sz="1800" dirty="0" smtClean="0"/>
-              <a:t> </a:t>
-            </a:r>
-            <a:r>
-              <a:rPr lang="en-US" sz="1800" dirty="0" err="1" smtClean="0"/>
+              <a:rPr lang="en-US" sz="1800" dirty="0"/>
+              <a:t> </a:t>
+            </a:r>
+            <a:r>
+              <a:rPr lang="en-US" sz="1800" dirty="0" err="1"/>
               <a:t>CascadeClassifier</a:t>
             </a:r>
             <a:r>
-              <a:rPr lang="en-US" sz="1800" dirty="0" smtClean="0"/>
+              <a:rPr lang="en-US" sz="1800" dirty="0"/>
               <a:t>) (</a:t>
             </a:r>
             <a:r>
-              <a:rPr lang="en-US" sz="1800" dirty="0" err="1" smtClean="0"/>
+              <a:rPr lang="en-US" sz="1800" dirty="0" err="1"/>
               <a:t>đã</a:t>
             </a:r>
             <a:r>
-              <a:rPr lang="en-US" sz="1800" dirty="0" smtClean="0"/>
-              <a:t> </a:t>
-            </a:r>
-            <a:r>
-              <a:rPr lang="en-US" sz="1800" dirty="0" err="1" smtClean="0"/>
+              <a:rPr lang="en-US" sz="1800" dirty="0"/>
+              <a:t> </a:t>
+            </a:r>
+            <a:r>
+              <a:rPr lang="en-US" sz="1800" dirty="0" err="1"/>
               <a:t>làm</a:t>
             </a:r>
             <a:r>
-              <a:rPr lang="en-US" sz="1800" dirty="0" smtClean="0"/>
+              <a:rPr lang="en-US" sz="1800" dirty="0"/>
               <a:t>)</a:t>
             </a:r>
             <a:endParaRPr lang="en-US" sz="2000" dirty="0"/>
@@ -13489,55 +13939,50 @@
           <a:p>
             <a:pPr lvl="1"/>
             <a:r>
-              <a:rPr lang="en-US" sz="1800" dirty="0" err="1" smtClean="0"/>
+              <a:rPr lang="en-US" sz="1800" dirty="0" err="1"/>
               <a:t>Chuyển</a:t>
             </a:r>
             <a:r>
-              <a:rPr lang="en-US" sz="1800" dirty="0" smtClean="0"/>
-              <a:t> </a:t>
-            </a:r>
-            <a:r>
-              <a:rPr lang="en-US" sz="1800" dirty="0" err="1" smtClean="0"/>
+              <a:rPr lang="en-US" sz="1800" dirty="0"/>
+              <a:t> </a:t>
+            </a:r>
+            <a:r>
+              <a:rPr lang="en-US" sz="1800" dirty="0" err="1"/>
               <a:t>về</a:t>
             </a:r>
             <a:r>
-              <a:rPr lang="en-US" sz="1800" dirty="0" smtClean="0"/>
-              <a:t> </a:t>
-            </a:r>
-            <a:r>
-              <a:rPr lang="en-US" sz="1800" dirty="0" err="1" smtClean="0"/>
+              <a:rPr lang="en-US" sz="1800" dirty="0"/>
+              <a:t> </a:t>
+            </a:r>
+            <a:r>
+              <a:rPr lang="en-US" sz="1800" dirty="0" err="1"/>
               <a:t>hình</a:t>
             </a:r>
             <a:r>
-              <a:rPr lang="en-US" sz="1800" dirty="0" smtClean="0"/>
-              <a:t> </a:t>
-            </a:r>
-            <a:r>
-              <a:rPr lang="en-US" sz="1800" dirty="0" err="1" smtClean="0"/>
+              <a:rPr lang="en-US" sz="1800" dirty="0"/>
+              <a:t> </a:t>
+            </a:r>
+            <a:r>
+              <a:rPr lang="en-US" sz="1800" dirty="0" err="1"/>
               <a:t>trắng</a:t>
             </a:r>
             <a:r>
-              <a:rPr lang="en-US" sz="1800" dirty="0" smtClean="0"/>
-              <a:t> </a:t>
-            </a:r>
-            <a:r>
-              <a:rPr lang="en-US" sz="1800" dirty="0" err="1" smtClean="0"/>
+              <a:rPr lang="en-US" sz="1800" dirty="0"/>
+              <a:t> </a:t>
+            </a:r>
+            <a:r>
+              <a:rPr lang="en-US" sz="1800" dirty="0" err="1"/>
               <a:t>đen</a:t>
             </a:r>
             <a:r>
-              <a:rPr lang="en-US" sz="1800" dirty="0" smtClean="0"/>
-              <a:t>.</a:t>
-            </a:r>
-            <a:r>
               <a:rPr lang="en-US" sz="1800" dirty="0"/>
-              <a:t>	</a:t>
-            </a:r>
-            <a:endParaRPr lang="en-US" sz="1800" dirty="0" smtClean="0"/>
+              <a:t>.	</a:t>
+            </a:r>
           </a:p>
           <a:p>
             <a:pPr lvl="1"/>
             <a:r>
-              <a:rPr lang="en-US" sz="1800" dirty="0" smtClean="0"/>
+              <a:rPr lang="en-US" sz="1800" dirty="0"/>
               <a:t>Resize </a:t>
             </a:r>
             <a:r>
@@ -13612,78 +14057,77 @@
               <a:t> </a:t>
             </a:r>
             <a:r>
-              <a:rPr lang="en-US" sz="2000" dirty="0" err="1" smtClean="0"/>
+              <a:rPr lang="en-US" sz="2000" dirty="0" err="1"/>
               <a:t>Sau</a:t>
             </a:r>
             <a:r>
-              <a:rPr lang="en-US" sz="2000" dirty="0" smtClean="0"/>
-              <a:t> </a:t>
-            </a:r>
-            <a:r>
-              <a:rPr lang="en-US" sz="2000" dirty="0" err="1" smtClean="0"/>
+              <a:rPr lang="en-US" sz="2000" dirty="0"/>
+              <a:t> </a:t>
+            </a:r>
+            <a:r>
+              <a:rPr lang="en-US" sz="2000" dirty="0" err="1"/>
               <a:t>khi</a:t>
             </a:r>
             <a:r>
-              <a:rPr lang="en-US" sz="2000" dirty="0" smtClean="0"/>
-              <a:t> </a:t>
-            </a:r>
-            <a:r>
-              <a:rPr lang="en-US" sz="2000" dirty="0" err="1" smtClean="0"/>
+              <a:rPr lang="en-US" sz="2000" dirty="0"/>
+              <a:t> </a:t>
+            </a:r>
+            <a:r>
+              <a:rPr lang="en-US" sz="2000" dirty="0" err="1"/>
               <a:t>xử</a:t>
             </a:r>
             <a:r>
-              <a:rPr lang="en-US" sz="2000" dirty="0" smtClean="0"/>
-              <a:t> </a:t>
-            </a:r>
-            <a:r>
-              <a:rPr lang="en-US" sz="2000" dirty="0" err="1" smtClean="0"/>
+              <a:rPr lang="en-US" sz="2000" dirty="0"/>
+              <a:t> </a:t>
+            </a:r>
+            <a:r>
+              <a:rPr lang="en-US" sz="2000" dirty="0" err="1"/>
               <a:t>lý</a:t>
             </a:r>
             <a:r>
-              <a:rPr lang="en-US" sz="2000" dirty="0" smtClean="0"/>
-              <a:t> </a:t>
-            </a:r>
-            <a:r>
-              <a:rPr lang="en-US" sz="2000" dirty="0" err="1" smtClean="0"/>
+              <a:rPr lang="en-US" sz="2000" dirty="0"/>
+              <a:t> </a:t>
+            </a:r>
+            <a:r>
+              <a:rPr lang="en-US" sz="2000" dirty="0" err="1"/>
               <a:t>thì</a:t>
             </a:r>
             <a:r>
-              <a:rPr lang="en-US" sz="2000" dirty="0" smtClean="0"/>
+              <a:rPr lang="en-US" sz="2000" dirty="0"/>
               <a:t> chia </a:t>
             </a:r>
             <a:r>
-              <a:rPr lang="en-US" sz="2000" dirty="0" err="1" smtClean="0"/>
+              <a:rPr lang="en-US" sz="2000" dirty="0" err="1"/>
               <a:t>tập</a:t>
             </a:r>
             <a:r>
-              <a:rPr lang="en-US" sz="2000" dirty="0" smtClean="0"/>
+              <a:rPr lang="en-US" sz="2000" dirty="0"/>
               <a:t> dataset </a:t>
             </a:r>
             <a:r>
-              <a:rPr lang="en-US" sz="2000" dirty="0" err="1" smtClean="0"/>
+              <a:rPr lang="en-US" sz="2000" dirty="0" err="1"/>
               <a:t>thành</a:t>
             </a:r>
             <a:r>
-              <a:rPr lang="en-US" sz="2000" dirty="0" smtClean="0"/>
+              <a:rPr lang="en-US" sz="2000" dirty="0"/>
               <a:t> 2 </a:t>
             </a:r>
             <a:r>
-              <a:rPr lang="en-US" sz="2000" dirty="0" err="1" smtClean="0"/>
+              <a:rPr lang="en-US" sz="2000" dirty="0" err="1"/>
               <a:t>phần</a:t>
             </a:r>
             <a:r>
-              <a:rPr lang="en-US" sz="2000" dirty="0" smtClean="0"/>
+              <a:rPr lang="en-US" sz="2000" dirty="0"/>
               <a:t> : train 80% </a:t>
             </a:r>
             <a:r>
-              <a:rPr lang="en-US" sz="2000" dirty="0" err="1" smtClean="0"/>
+              <a:rPr lang="en-US" sz="2000" dirty="0" err="1"/>
               <a:t>và</a:t>
             </a:r>
             <a:r>
-              <a:rPr lang="en-US" sz="2000" dirty="0" smtClean="0"/>
+              <a:rPr lang="en-US" sz="2000" dirty="0"/>
               <a:t> test 20%</a:t>
             </a:r>
-            <a:endParaRPr lang="en-US" sz="2000" dirty="0"/>
           </a:p>
         </p:txBody>
       </p:sp>
@@ -13692,7 +14136,7 @@
           <p:cNvPr id="4" name="Slide Number Placeholder 3">
             <a:extLst>
               <a:ext uri="{FF2B5EF4-FFF2-40B4-BE49-F238E27FC236}">
-                <a16:creationId xmlns:a16="http://schemas.microsoft.com/office/drawing/2014/main" xmlns="" id="{68ACDF87-413C-4317-9995-796D514C73F6}"/>
+                <a16:creationId xmlns:a16="http://schemas.microsoft.com/office/drawing/2014/main" id="{68ACDF87-413C-4317-9995-796D514C73F6}"/>
               </a:ext>
             </a:extLst>
           </p:cNvPr>
@@ -13773,7 +14217,7 @@
           <p:cNvPr id="4" name="Slide Number Placeholder 3">
             <a:extLst>
               <a:ext uri="{FF2B5EF4-FFF2-40B4-BE49-F238E27FC236}">
-                <a16:creationId xmlns:a16="http://schemas.microsoft.com/office/drawing/2014/main" xmlns="" id="{68ACDF87-413C-4317-9995-796D514C73F6}"/>
+                <a16:creationId xmlns:a16="http://schemas.microsoft.com/office/drawing/2014/main" id="{68ACDF87-413C-4317-9995-796D514C73F6}"/>
               </a:ext>
             </a:extLst>
           </p:cNvPr>
@@ -14021,10 +14465,9 @@
           <a:p>
             <a:pPr algn="ctr"/>
             <a:r>
-              <a:rPr lang="en-US" dirty="0" smtClean="0"/>
+              <a:rPr lang="en-US" dirty="0"/>
               <a:t>gray</a:t>
             </a:r>
-            <a:endParaRPr lang="en-US" dirty="0"/>
           </a:p>
         </p:txBody>
       </p:sp>
@@ -14092,21 +14535,16 @@
           <a:p>
             <a:pPr algn="ctr"/>
             <a:r>
-              <a:rPr lang="en-US" dirty="0" smtClean="0"/>
-              <a:t>Resize(150,150) + </a:t>
-            </a:r>
-            <a:r>
               <a:rPr lang="en-US" dirty="0"/>
-              <a:t>flatten</a:t>
+              <a:t>Resize(150,150) + flatten</a:t>
             </a:r>
           </a:p>
           <a:p>
             <a:pPr algn="ctr"/>
             <a:r>
-              <a:rPr lang="en-US" dirty="0" smtClean="0"/>
-              <a:t> </a:t>
-            </a:r>
-            <a:endParaRPr lang="en-US" dirty="0"/>
+              <a:rPr lang="en-US" dirty="0"/>
+              <a:t> </a:t>
+            </a:r>
           </a:p>
         </p:txBody>
       </p:sp>
@@ -14159,27 +14597,8 @@
                   </a:schemeClr>
                 </a:solidFill>
               </a:rPr>
-              <a:t> </a:t>
-            </a:r>
-            <a:r>
-              <a:rPr lang="en-US" dirty="0" smtClean="0">
-                <a:solidFill>
-                  <a:schemeClr val="tx1">
-                    <a:lumMod val="50000"/>
-                    <a:lumOff val="50000"/>
-                  </a:schemeClr>
-                </a:solidFill>
-              </a:rPr>
-              <a:t>|  |  |  |  |  |  |  |  |  |</a:t>
-            </a:r>
-            <a:endParaRPr lang="en-US" dirty="0">
-              <a:solidFill>
-                <a:schemeClr val="tx1">
-                  <a:lumMod val="50000"/>
-                  <a:lumOff val="50000"/>
-                </a:schemeClr>
-              </a:solidFill>
-            </a:endParaRPr>
+              <a:t> |  |  |  |  |  |  |  |  |  |</a:t>
+            </a:r>
           </a:p>
         </p:txBody>
       </p:sp>
@@ -14207,10 +14626,9 @@
           <a:p>
             <a:pPr algn="ctr"/>
             <a:r>
-              <a:rPr lang="en-US" dirty="0" smtClean="0"/>
+              <a:rPr lang="en-US" dirty="0"/>
               <a:t>22500x1x1</a:t>
             </a:r>
-            <a:endParaRPr lang="en-US" dirty="0"/>
           </a:p>
         </p:txBody>
       </p:sp>
